--- a/Divulgacao/Apresentacao/ApresentacaoFinalBack.pptx
+++ b/Divulgacao/Apresentacao/ApresentacaoFinalBack.pptx
@@ -197,7 +197,7 @@
           <a:p>
             <a:fld id="{BDCEECD8-C3FA-4008-9E13-F2654D941B55}" type="datetimeFigureOut">
               <a:rPr lang="pt-BR" smtClean="0"/>
-              <a:t>17/05/2024</a:t>
+              <a:t>23/05/2024</a:t>
             </a:fld>
             <a:endParaRPr lang="pt-BR"/>
           </a:p>
@@ -2409,9 +2409,9 @@
       </p:sp>
       <p:pic>
         <p:nvPicPr>
-          <p:cNvPr id="2050" name="Picture 2"/>
+          <p:cNvPr id="4" name="Imagem 3"/>
           <p:cNvPicPr>
-            <a:picLocks noChangeAspect="1" noChangeArrowheads="1"/>
+            <a:picLocks noChangeAspect="1"/>
           </p:cNvPicPr>
           <p:nvPr/>
         </p:nvPicPr>
@@ -2423,42 +2423,18 @@
               </a:ext>
             </a:extLst>
           </a:blip>
-          <a:srcRect/>
           <a:stretch>
             <a:fillRect/>
           </a:stretch>
         </p:blipFill>
-        <p:spPr bwMode="auto">
-          <a:xfrm>
-            <a:off x="3384646" y="143301"/>
-            <a:ext cx="11112370" cy="7942997"/>
-          </a:xfrm>
-          <a:prstGeom prst="rect">
-            <a:avLst/>
-          </a:prstGeom>
-          <a:noFill/>
-          <a:ln>
-            <a:noFill/>
-          </a:ln>
-          <a:extLst>
-            <a:ext uri="{909E8E84-426E-40DD-AFC4-6F175D3DCCD1}">
-              <a14:hiddenFill xmlns:a14="http://schemas.microsoft.com/office/drawing/2010/main">
-                <a:solidFill>
-                  <a:schemeClr val="accent1"/>
-                </a:solidFill>
-              </a14:hiddenFill>
-            </a:ext>
-            <a:ext uri="{91240B29-F687-4F45-9708-019B960494DF}">
-              <a14:hiddenLine xmlns:a14="http://schemas.microsoft.com/office/drawing/2010/main" w="9525">
-                <a:solidFill>
-                  <a:schemeClr val="tx1"/>
-                </a:solidFill>
-                <a:miter lim="800000"/>
-                <a:headEnd/>
-                <a:tailEnd/>
-              </a14:hiddenLine>
-            </a:ext>
-          </a:extLst>
+        <p:spPr>
+          <a:xfrm>
+            <a:off x="3962540" y="319928"/>
+            <a:ext cx="10362919" cy="7589744"/>
+          </a:xfrm>
+          <a:prstGeom prst="rect">
+            <a:avLst/>
+          </a:prstGeom>
         </p:spPr>
       </p:pic>
     </p:spTree>

--- a/Divulgacao/Apresentacao/ApresentacaoFinalBack.pptx
+++ b/Divulgacao/Apresentacao/ApresentacaoFinalBack.pptx
@@ -197,7 +197,7 @@
           <a:p>
             <a:fld id="{BDCEECD8-C3FA-4008-9E13-F2654D941B55}" type="datetimeFigureOut">
               <a:rPr lang="pt-BR" smtClean="0"/>
-              <a:t>23/05/2024</a:t>
+              <a:t>17/05/2024</a:t>
             </a:fld>
             <a:endParaRPr lang="pt-BR"/>
           </a:p>
@@ -2409,9 +2409,9 @@
       </p:sp>
       <p:pic>
         <p:nvPicPr>
-          <p:cNvPr id="4" name="Imagem 3"/>
+          <p:cNvPr id="2050" name="Picture 2"/>
           <p:cNvPicPr>
-            <a:picLocks noChangeAspect="1"/>
+            <a:picLocks noChangeAspect="1" noChangeArrowheads="1"/>
           </p:cNvPicPr>
           <p:nvPr/>
         </p:nvPicPr>
@@ -2423,18 +2423,42 @@
               </a:ext>
             </a:extLst>
           </a:blip>
+          <a:srcRect/>
           <a:stretch>
             <a:fillRect/>
           </a:stretch>
         </p:blipFill>
-        <p:spPr>
-          <a:xfrm>
-            <a:off x="3962540" y="319928"/>
-            <a:ext cx="10362919" cy="7589744"/>
-          </a:xfrm>
-          <a:prstGeom prst="rect">
-            <a:avLst/>
-          </a:prstGeom>
+        <p:spPr bwMode="auto">
+          <a:xfrm>
+            <a:off x="3384646" y="143301"/>
+            <a:ext cx="11112370" cy="7942997"/>
+          </a:xfrm>
+          <a:prstGeom prst="rect">
+            <a:avLst/>
+          </a:prstGeom>
+          <a:noFill/>
+          <a:ln>
+            <a:noFill/>
+          </a:ln>
+          <a:extLst>
+            <a:ext uri="{909E8E84-426E-40DD-AFC4-6F175D3DCCD1}">
+              <a14:hiddenFill xmlns:a14="http://schemas.microsoft.com/office/drawing/2010/main">
+                <a:solidFill>
+                  <a:schemeClr val="accent1"/>
+                </a:solidFill>
+              </a14:hiddenFill>
+            </a:ext>
+            <a:ext uri="{91240B29-F687-4F45-9708-019B960494DF}">
+              <a14:hiddenLine xmlns:a14="http://schemas.microsoft.com/office/drawing/2010/main" w="9525">
+                <a:solidFill>
+                  <a:schemeClr val="tx1"/>
+                </a:solidFill>
+                <a:miter lim="800000"/>
+                <a:headEnd/>
+                <a:tailEnd/>
+              </a14:hiddenLine>
+            </a:ext>
+          </a:extLst>
         </p:spPr>
       </p:pic>
     </p:spTree>

--- a/Divulgacao/Apresentacao/ApresentacaoFinalBack.pptx
+++ b/Divulgacao/Apresentacao/ApresentacaoFinalBack.pptx
@@ -197,7 +197,7 @@
           <a:p>
             <a:fld id="{BDCEECD8-C3FA-4008-9E13-F2654D941B55}" type="datetimeFigureOut">
               <a:rPr lang="pt-BR" smtClean="0"/>
-              <a:t>17/05/2024</a:t>
+              <a:t>23/05/2024</a:t>
             </a:fld>
             <a:endParaRPr lang="pt-BR"/>
           </a:p>
@@ -2409,9 +2409,9 @@
       </p:sp>
       <p:pic>
         <p:nvPicPr>
-          <p:cNvPr id="2050" name="Picture 2"/>
+          <p:cNvPr id="4" name="Imagem 3"/>
           <p:cNvPicPr>
-            <a:picLocks noChangeAspect="1" noChangeArrowheads="1"/>
+            <a:picLocks noChangeAspect="1"/>
           </p:cNvPicPr>
           <p:nvPr/>
         </p:nvPicPr>
@@ -2423,42 +2423,18 @@
               </a:ext>
             </a:extLst>
           </a:blip>
-          <a:srcRect/>
           <a:stretch>
             <a:fillRect/>
           </a:stretch>
         </p:blipFill>
-        <p:spPr bwMode="auto">
-          <a:xfrm>
-            <a:off x="3384646" y="143301"/>
-            <a:ext cx="11112370" cy="7942997"/>
-          </a:xfrm>
-          <a:prstGeom prst="rect">
-            <a:avLst/>
-          </a:prstGeom>
-          <a:noFill/>
-          <a:ln>
-            <a:noFill/>
-          </a:ln>
-          <a:extLst>
-            <a:ext uri="{909E8E84-426E-40DD-AFC4-6F175D3DCCD1}">
-              <a14:hiddenFill xmlns:a14="http://schemas.microsoft.com/office/drawing/2010/main">
-                <a:solidFill>
-                  <a:schemeClr val="accent1"/>
-                </a:solidFill>
-              </a14:hiddenFill>
-            </a:ext>
-            <a:ext uri="{91240B29-F687-4F45-9708-019B960494DF}">
-              <a14:hiddenLine xmlns:a14="http://schemas.microsoft.com/office/drawing/2010/main" w="9525">
-                <a:solidFill>
-                  <a:schemeClr val="tx1"/>
-                </a:solidFill>
-                <a:miter lim="800000"/>
-                <a:headEnd/>
-                <a:tailEnd/>
-              </a14:hiddenLine>
-            </a:ext>
-          </a:extLst>
+        <p:spPr>
+          <a:xfrm>
+            <a:off x="4037605" y="374905"/>
+            <a:ext cx="10212790" cy="7479790"/>
+          </a:xfrm>
+          <a:prstGeom prst="rect">
+            <a:avLst/>
+          </a:prstGeom>
         </p:spPr>
       </p:pic>
     </p:spTree>
@@ -5377,7 +5353,7 @@
   <a:extraClrSchemeLst/>
   <a:extLst>
     <a:ext uri="{05A4C25C-085E-4340-85A3-A5531E510DB2}">
-      <thm15:themeFamily xmlns="" xmlns:thm15="http://schemas.microsoft.com/office/thememl/2012/main" name="Office Theme" id="{62F939B6-93AF-4DB8-9C6B-D6C7DFDC589F}" vid="{4A3C46E8-61CC-4603-A589-7422A47A8E4A}"/>
+      <thm15:themeFamily xmlns:thm15="http://schemas.microsoft.com/office/thememl/2012/main" xmlns="" name="Office Theme" id="{62F939B6-93AF-4DB8-9C6B-D6C7DFDC589F}" vid="{4A3C46E8-61CC-4603-A589-7422A47A8E4A}"/>
     </a:ext>
   </a:extLst>
 </a:theme>
